--- a/RL_Presentation.pptx
+++ b/RL_Presentation.pptx
@@ -114,6 +114,14 @@
       </a:defRPr>
     </a:lvl9pPr>
   </p:defaultTextStyle>
+  <p:extLst>
+    <p:ext uri="{EFAFB233-063F-42B5-8137-9DF3F51BA10A}">
+      <p15:sldGuideLst xmlns:p15="http://schemas.microsoft.com/office/powerpoint/2012/main"/>
+    </p:ext>
+    <p:ext uri="{2D200454-40CA-4A62-9FC3-DE9A4176ACB9}">
+      <p15:notesGuideLst xmlns:p15="http://schemas.microsoft.com/office/powerpoint/2012/main"/>
+    </p:ext>
+  </p:extLst>
 </p:presentation>
 </file>
 
@@ -199,7 +207,7 @@
           <a:p>
             <a:fld id="{45D588E4-D476-324F-9E68-EAFB011C8467}" type="datetimeFigureOut">
               <a:rPr lang="en-US" smtClean="0"/>
-              <a:t>4/21/18</a:t>
+              <a:t>4/26/18</a:t>
             </a:fld>
             <a:endParaRPr lang="en-US"/>
           </a:p>
@@ -834,29 +842,6 @@
               </a:rPr>
               <a:t>Learn from experience: Long term effects</a:t>
             </a:r>
-            <a:endParaRPr lang="en-CA" sz="1200" b="0" i="0" kern="1200" dirty="0">
-              <a:solidFill>
-                <a:schemeClr val="tx1"/>
-              </a:solidFill>
-              <a:effectLst/>
-              <a:latin typeface="+mn-lt"/>
-              <a:ea typeface="+mn-ea"/>
-              <a:cs typeface="+mn-cs"/>
-            </a:endParaRPr>
-          </a:p>
-          <a:p>
-            <a:r>
-              <a:rPr lang="en-CA" sz="1200" b="0" i="0" kern="1200" dirty="0">
-                <a:solidFill>
-                  <a:schemeClr val="tx1"/>
-                </a:solidFill>
-                <a:effectLst/>
-                <a:latin typeface="+mn-lt"/>
-                <a:ea typeface="+mn-ea"/>
-                <a:cs typeface="+mn-cs"/>
-              </a:rPr>
-              <a:t>motivation/introduction (why did you want to work on this problem?),</a:t>
-            </a:r>
             <a:endParaRPr lang="en-US" dirty="0"/>
           </a:p>
         </p:txBody>
@@ -1591,31 +1576,6 @@
         <p:txBody>
           <a:bodyPr/>
           <a:lstStyle/>
-          <a:p>
-            <a:r>
-              <a:rPr lang="en-CA" sz="1200" b="0" i="0" kern="1200" dirty="0">
-                <a:solidFill>
-                  <a:schemeClr val="tx1"/>
-                </a:solidFill>
-                <a:effectLst/>
-                <a:latin typeface="+mn-lt"/>
-                <a:ea typeface="+mn-ea"/>
-                <a:cs typeface="+mn-cs"/>
-              </a:rPr>
-              <a:t>one slide of conclusion/future work (what worked well, what was harder than expected, what should be done further)</a:t>
-            </a:r>
-          </a:p>
-          <a:p>
-            <a:endParaRPr lang="en-CA" sz="1200" b="0" i="0" kern="1200" dirty="0">
-              <a:solidFill>
-                <a:schemeClr val="tx1"/>
-              </a:solidFill>
-              <a:effectLst/>
-              <a:latin typeface="+mn-lt"/>
-              <a:ea typeface="+mn-ea"/>
-              <a:cs typeface="+mn-cs"/>
-            </a:endParaRPr>
-          </a:p>
           <a:p>
             <a:pPr marL="0" marR="0" lvl="0" indent="0" algn="l" defTabSz="914400" rtl="0" eaLnBrk="1" fontAlgn="auto" latinLnBrk="0" hangingPunct="1">
               <a:lnSpc>
@@ -2273,7 +2233,7 @@
             </a:ln>
             <a:extLst>
               <a:ext uri="{91240B29-F687-4f45-9708-019B960494DF}">
-                <a14:hiddenLine xmlns:a14="http://schemas.microsoft.com/office/drawing/2010/main" xmlns="" w="9525">
+                <a14:hiddenLine xmlns="" xmlns:a14="http://schemas.microsoft.com/office/drawing/2010/main" w="9525">
                   <a:solidFill>
                     <a:srgbClr val="000000"/>
                   </a:solidFill>
@@ -2470,7 +2430,7 @@
           <a:p>
             <a:fld id="{FA1B09D7-CEA8-634E-ABEE-6B8737FE71FF}" type="datetimeFigureOut">
               <a:rPr lang="en-US" smtClean="0"/>
-              <a:t>4/21/18</a:t>
+              <a:t>4/26/18</a:t>
             </a:fld>
             <a:endParaRPr lang="en-US"/>
           </a:p>
@@ -3354,7 +3314,7 @@
             </a:ln>
             <a:extLst>
               <a:ext uri="{91240B29-F687-4f45-9708-019B960494DF}">
-                <a14:hiddenLine xmlns:a14="http://schemas.microsoft.com/office/drawing/2010/main" xmlns="" w="9525">
+                <a14:hiddenLine xmlns="" xmlns:a14="http://schemas.microsoft.com/office/drawing/2010/main" w="9525">
                   <a:solidFill>
                     <a:srgbClr val="000000"/>
                   </a:solidFill>
@@ -3571,7 +3531,7 @@
           <a:p>
             <a:fld id="{FA1B09D7-CEA8-634E-ABEE-6B8737FE71FF}" type="datetimeFigureOut">
               <a:rPr lang="en-US" smtClean="0"/>
-              <a:t>4/21/18</a:t>
+              <a:t>4/26/18</a:t>
             </a:fld>
             <a:endParaRPr lang="en-US"/>
           </a:p>
@@ -4440,7 +4400,7 @@
             </a:ln>
             <a:extLst>
               <a:ext uri="{91240B29-F687-4f45-9708-019B960494DF}">
-                <a14:hiddenLine xmlns:a14="http://schemas.microsoft.com/office/drawing/2010/main" xmlns="" w="9525">
+                <a14:hiddenLine xmlns="" xmlns:a14="http://schemas.microsoft.com/office/drawing/2010/main" w="9525">
                   <a:solidFill>
                     <a:srgbClr val="000000"/>
                   </a:solidFill>
@@ -4569,7 +4529,7 @@
           <a:p>
             <a:fld id="{FA1B09D7-CEA8-634E-ABEE-6B8737FE71FF}" type="datetimeFigureOut">
               <a:rPr lang="en-US" smtClean="0"/>
-              <a:t>4/21/18</a:t>
+              <a:t>4/26/18</a:t>
             </a:fld>
             <a:endParaRPr lang="en-US"/>
           </a:p>
@@ -5401,7 +5361,7 @@
             </a:ln>
             <a:extLst>
               <a:ext uri="{91240B29-F687-4f45-9708-019B960494DF}">
-                <a14:hiddenLine xmlns:a14="http://schemas.microsoft.com/office/drawing/2010/main" xmlns="" w="9525">
+                <a14:hiddenLine xmlns="" xmlns:a14="http://schemas.microsoft.com/office/drawing/2010/main" w="9525">
                   <a:solidFill>
                     <a:srgbClr val="000000"/>
                   </a:solidFill>
@@ -5684,7 +5644,7 @@
           <a:p>
             <a:fld id="{FA1B09D7-CEA8-634E-ABEE-6B8737FE71FF}" type="datetimeFigureOut">
               <a:rPr lang="en-US" smtClean="0"/>
-              <a:t>4/21/18</a:t>
+              <a:t>4/26/18</a:t>
             </a:fld>
             <a:endParaRPr lang="en-US"/>
           </a:p>
@@ -6516,7 +6476,7 @@
             </a:ln>
             <a:extLst>
               <a:ext uri="{91240B29-F687-4f45-9708-019B960494DF}">
-                <a14:hiddenLine xmlns:a14="http://schemas.microsoft.com/office/drawing/2010/main" xmlns="" w="9525">
+                <a14:hiddenLine xmlns="" xmlns:a14="http://schemas.microsoft.com/office/drawing/2010/main" w="9525">
                   <a:solidFill>
                     <a:srgbClr val="000000"/>
                   </a:solidFill>
@@ -6698,7 +6658,7 @@
           <a:p>
             <a:fld id="{FA1B09D7-CEA8-634E-ABEE-6B8737FE71FF}" type="datetimeFigureOut">
               <a:rPr lang="en-US" smtClean="0"/>
-              <a:t>4/21/18</a:t>
+              <a:t>4/26/18</a:t>
             </a:fld>
             <a:endParaRPr lang="en-US"/>
           </a:p>
@@ -7370,7 +7330,7 @@
           <a:p>
             <a:fld id="{FA1B09D7-CEA8-634E-ABEE-6B8737FE71FF}" type="datetimeFigureOut">
               <a:rPr lang="en-US" smtClean="0"/>
-              <a:t>4/21/18</a:t>
+              <a:t>4/26/18</a:t>
             </a:fld>
             <a:endParaRPr lang="en-US"/>
           </a:p>
@@ -8243,7 +8203,7 @@
           <a:p>
             <a:fld id="{FA1B09D7-CEA8-634E-ABEE-6B8737FE71FF}" type="datetimeFigureOut">
               <a:rPr lang="en-US" smtClean="0"/>
-              <a:t>4/21/18</a:t>
+              <a:t>4/26/18</a:t>
             </a:fld>
             <a:endParaRPr lang="en-US"/>
           </a:p>
@@ -8425,7 +8385,7 @@
           <a:p>
             <a:fld id="{FA1B09D7-CEA8-634E-ABEE-6B8737FE71FF}" type="datetimeFigureOut">
               <a:rPr lang="en-US" smtClean="0"/>
-              <a:t>4/21/18</a:t>
+              <a:t>4/26/18</a:t>
             </a:fld>
             <a:endParaRPr lang="en-US"/>
           </a:p>
@@ -9255,7 +9215,7 @@
           </a:ln>
           <a:extLst>
             <a:ext uri="{91240B29-F687-4f45-9708-019B960494DF}">
-              <a14:hiddenLine xmlns:a14="http://schemas.microsoft.com/office/drawing/2010/main" xmlns="" w="9525">
+              <a14:hiddenLine xmlns="" xmlns:a14="http://schemas.microsoft.com/office/drawing/2010/main" w="9525">
                 <a:solidFill>
                   <a:srgbClr val="000000"/>
                 </a:solidFill>
@@ -9369,7 +9329,7 @@
           <a:p>
             <a:fld id="{FA1B09D7-CEA8-634E-ABEE-6B8737FE71FF}" type="datetimeFigureOut">
               <a:rPr lang="en-US" smtClean="0"/>
-              <a:t>4/21/18</a:t>
+              <a:t>4/26/18</a:t>
             </a:fld>
             <a:endParaRPr lang="en-US"/>
           </a:p>
@@ -9596,7 +9556,7 @@
           <a:p>
             <a:fld id="{FA1B09D7-CEA8-634E-ABEE-6B8737FE71FF}" type="datetimeFigureOut">
               <a:rPr lang="en-US" smtClean="0"/>
-              <a:t>4/21/18</a:t>
+              <a:t>4/26/18</a:t>
             </a:fld>
             <a:endParaRPr lang="en-US"/>
           </a:p>
@@ -10425,7 +10385,7 @@
             </a:ln>
             <a:extLst>
               <a:ext uri="{91240B29-F687-4f45-9708-019B960494DF}">
-                <a14:hiddenLine xmlns:a14="http://schemas.microsoft.com/office/drawing/2010/main" xmlns="" w="9525">
+                <a14:hiddenLine xmlns="" xmlns:a14="http://schemas.microsoft.com/office/drawing/2010/main" w="9525">
                   <a:solidFill>
                     <a:srgbClr val="000000"/>
                   </a:solidFill>
@@ -10607,7 +10567,7 @@
           <a:p>
             <a:fld id="{FA1B09D7-CEA8-634E-ABEE-6B8737FE71FF}" type="datetimeFigureOut">
               <a:rPr lang="en-US" smtClean="0"/>
-              <a:t>4/21/18</a:t>
+              <a:t>4/26/18</a:t>
             </a:fld>
             <a:endParaRPr lang="en-US"/>
           </a:p>
@@ -10891,7 +10851,7 @@
           <a:p>
             <a:fld id="{FA1B09D7-CEA8-634E-ABEE-6B8737FE71FF}" type="datetimeFigureOut">
               <a:rPr lang="en-US" smtClean="0"/>
-              <a:t>4/21/18</a:t>
+              <a:t>4/26/18</a:t>
             </a:fld>
             <a:endParaRPr lang="en-US"/>
           </a:p>
@@ -11291,7 +11251,7 @@
           <a:p>
             <a:fld id="{FA1B09D7-CEA8-634E-ABEE-6B8737FE71FF}" type="datetimeFigureOut">
               <a:rPr lang="en-US" smtClean="0"/>
-              <a:t>4/21/18</a:t>
+              <a:t>4/26/18</a:t>
             </a:fld>
             <a:endParaRPr lang="en-US"/>
           </a:p>
@@ -11421,7 +11381,7 @@
           <a:p>
             <a:fld id="{FA1B09D7-CEA8-634E-ABEE-6B8737FE71FF}" type="datetimeFigureOut">
               <a:rPr lang="en-US" smtClean="0"/>
-              <a:t>4/21/18</a:t>
+              <a:t>4/26/18</a:t>
             </a:fld>
             <a:endParaRPr lang="en-US"/>
           </a:p>
@@ -11564,7 +11524,7 @@
           <a:p>
             <a:fld id="{FA1B09D7-CEA8-634E-ABEE-6B8737FE71FF}" type="datetimeFigureOut">
               <a:rPr lang="en-US" smtClean="0"/>
-              <a:t>4/21/18</a:t>
+              <a:t>4/26/18</a:t>
             </a:fld>
             <a:endParaRPr lang="en-US"/>
           </a:p>
@@ -12393,7 +12353,7 @@
             </a:ln>
             <a:extLst>
               <a:ext uri="{91240B29-F687-4f45-9708-019B960494DF}">
-                <a14:hiddenLine xmlns:a14="http://schemas.microsoft.com/office/drawing/2010/main" xmlns="" w="9525">
+                <a14:hiddenLine xmlns="" xmlns:a14="http://schemas.microsoft.com/office/drawing/2010/main" w="9525">
                   <a:solidFill>
                     <a:srgbClr val="000000"/>
                   </a:solidFill>
@@ -12586,7 +12546,7 @@
           <a:p>
             <a:fld id="{FA1B09D7-CEA8-634E-ABEE-6B8737FE71FF}" type="datetimeFigureOut">
               <a:rPr lang="en-US" smtClean="0"/>
-              <a:t>4/21/18</a:t>
+              <a:t>4/26/18</a:t>
             </a:fld>
             <a:endParaRPr lang="en-US"/>
           </a:p>
@@ -13451,7 +13411,7 @@
             </a:ln>
             <a:extLst>
               <a:ext uri="{91240B29-F687-4f45-9708-019B960494DF}">
-                <a14:hiddenLine xmlns:a14="http://schemas.microsoft.com/office/drawing/2010/main" xmlns="" w="9525">
+                <a14:hiddenLine xmlns="" xmlns:a14="http://schemas.microsoft.com/office/drawing/2010/main" w="9525">
                   <a:solidFill>
                     <a:srgbClr val="000000"/>
                   </a:solidFill>
@@ -13668,7 +13628,7 @@
           <a:p>
             <a:fld id="{FA1B09D7-CEA8-634E-ABEE-6B8737FE71FF}" type="datetimeFigureOut">
               <a:rPr lang="en-US" smtClean="0"/>
-              <a:t>4/21/18</a:t>
+              <a:t>4/26/18</a:t>
             </a:fld>
             <a:endParaRPr lang="en-US"/>
           </a:p>
@@ -14501,7 +14461,7 @@
             </a:ln>
             <a:extLst>
               <a:ext uri="{91240B29-F687-4f45-9708-019B960494DF}">
-                <a14:hiddenLine xmlns:a14="http://schemas.microsoft.com/office/drawing/2010/main" xmlns="" w="9525">
+                <a14:hiddenLine xmlns="" xmlns:a14="http://schemas.microsoft.com/office/drawing/2010/main" w="9525">
                   <a:solidFill>
                     <a:srgbClr val="000000"/>
                   </a:solidFill>
@@ -14642,7 +14602,7 @@
           <a:p>
             <a:fld id="{FA1B09D7-CEA8-634E-ABEE-6B8737FE71FF}" type="datetimeFigureOut">
               <a:rPr lang="en-US" smtClean="0"/>
-              <a:t>4/21/18</a:t>
+              <a:t>4/26/18</a:t>
             </a:fld>
             <a:endParaRPr lang="en-US"/>
           </a:p>
@@ -16417,8 +16377,8 @@
           </p:sp>
         </p:grpSp>
       </p:grpSp>
-      <mc:AlternateContent xmlns:mc="http://schemas.openxmlformats.org/markup-compatibility/2006">
-        <mc:Choice xmlns:a14="http://schemas.microsoft.com/office/drawing/2010/main" Requires="a14">
+      <mc:AlternateContent xmlns:mc="http://schemas.openxmlformats.org/markup-compatibility/2006" xmlns:a14="http://schemas.microsoft.com/office/drawing/2010/main">
+        <mc:Choice Requires="a14">
           <p:graphicFrame>
             <p:nvGraphicFramePr>
               <p:cNvPr id="24" name="Table 23">
@@ -17748,7 +17708,7 @@
             </a:graphic>
           </p:graphicFrame>
         </mc:Choice>
-        <mc:Fallback>
+        <mc:Fallback xmlns="">
           <p:graphicFrame>
             <p:nvGraphicFramePr>
               <p:cNvPr id="24" name="Table 23">
@@ -18419,8 +18379,8 @@
           </a:p>
         </p:txBody>
       </p:sp>
-      <mc:AlternateContent xmlns:mc="http://schemas.openxmlformats.org/markup-compatibility/2006">
-        <mc:Choice xmlns:a14="http://schemas.microsoft.com/office/drawing/2010/main" Requires="a14">
+      <mc:AlternateContent xmlns:mc="http://schemas.openxmlformats.org/markup-compatibility/2006" xmlns:a14="http://schemas.microsoft.com/office/drawing/2010/main">
+        <mc:Choice Requires="a14">
           <p:sp>
             <p:nvSpPr>
               <p:cNvPr id="4" name="TextBox 3">
@@ -18449,6 +18409,7 @@
               </a:bodyPr>
               <a:lstStyle/>
               <a:p>
+                <a:pPr/>
                 <a14:m>
                   <m:oMathPara xmlns:m="http://schemas.openxmlformats.org/officeDocument/2006/math">
                     <m:oMathParaPr>
@@ -18697,7 +18658,7 @@
             </p:txBody>
           </p:sp>
         </mc:Choice>
-        <mc:Fallback>
+        <mc:Fallback xmlns="">
           <p:sp>
             <p:nvSpPr>
               <p:cNvPr id="4" name="TextBox 3">
@@ -18742,8 +18703,8 @@
           </p:sp>
         </mc:Fallback>
       </mc:AlternateContent>
-      <mc:AlternateContent xmlns:mc="http://schemas.openxmlformats.org/markup-compatibility/2006">
-        <mc:Choice xmlns:a14="http://schemas.microsoft.com/office/drawing/2010/main" Requires="a14">
+      <mc:AlternateContent xmlns:mc="http://schemas.openxmlformats.org/markup-compatibility/2006" xmlns:a14="http://schemas.microsoft.com/office/drawing/2010/main">
+        <mc:Choice Requires="a14">
           <p:sp>
             <p:nvSpPr>
               <p:cNvPr id="30" name="TextBox 29">
@@ -18772,6 +18733,7 @@
               </a:bodyPr>
               <a:lstStyle/>
               <a:p>
+                <a:pPr/>
                 <a14:m>
                   <m:oMathPara xmlns:m="http://schemas.openxmlformats.org/officeDocument/2006/math">
                     <m:oMathParaPr>
@@ -18845,7 +18807,13 @@
                                   <a:rPr lang="en-CA" b="0" i="1" smtClean="0">
                                     <a:latin typeface="Cambria Math" panose="02040503050406030204" pitchFamily="18" charset="0"/>
                                   </a:rPr>
-                                  <m:t>0.5</m:t>
+                                  <m:t>0</m:t>
+                                </m:r>
+                                <m:r>
+                                  <a:rPr lang="en-CA" b="0" i="1" smtClean="0">
+                                    <a:latin typeface="Cambria Math" panose="02040503050406030204" pitchFamily="18" charset="0"/>
+                                  </a:rPr>
+                                  <m:t>.5</m:t>
                                 </m:r>
                               </m:e>
                               <m:e>
@@ -18902,6 +18870,7 @@
                 <a:endParaRPr lang="en-CA" b="0" dirty="0"/>
               </a:p>
               <a:p>
+                <a:pPr/>
                 <a14:m>
                   <m:oMathPara xmlns:m="http://schemas.openxmlformats.org/officeDocument/2006/math">
                     <m:oMathParaPr>
@@ -18978,7 +18947,7 @@
             </p:txBody>
           </p:sp>
         </mc:Choice>
-        <mc:Fallback>
+        <mc:Fallback xmlns="">
           <p:sp>
             <p:nvSpPr>
               <p:cNvPr id="30" name="TextBox 29">
@@ -20460,6 +20429,100 @@
           </a:p>
         </p:txBody>
       </p:sp>
+      <p:sp>
+        <p:nvSpPr>
+          <p:cNvPr id="6" name="Oval 5">
+            <a:extLst>
+              <a:ext uri="{FF2B5EF4-FFF2-40B4-BE49-F238E27FC236}">
+                <a16:creationId xmlns:a16="http://schemas.microsoft.com/office/drawing/2014/main" id="{BB7088CD-277F-224F-BF58-812E3C230A6F}"/>
+              </a:ext>
+            </a:extLst>
+          </p:cNvPr>
+          <p:cNvSpPr/>
+          <p:nvPr/>
+        </p:nvSpPr>
+        <p:spPr>
+          <a:xfrm>
+            <a:off x="528194" y="3237774"/>
+            <a:ext cx="355600" cy="355600"/>
+          </a:xfrm>
+          <a:prstGeom prst="ellipse">
+            <a:avLst/>
+          </a:prstGeom>
+          <a:noFill/>
+        </p:spPr>
+        <p:style>
+          <a:lnRef idx="2">
+            <a:schemeClr val="accent1">
+              <a:shade val="50000"/>
+            </a:schemeClr>
+          </a:lnRef>
+          <a:fillRef idx="1">
+            <a:schemeClr val="accent1"/>
+          </a:fillRef>
+          <a:effectRef idx="0">
+            <a:schemeClr val="accent1"/>
+          </a:effectRef>
+          <a:fontRef idx="minor">
+            <a:schemeClr val="lt1"/>
+          </a:fontRef>
+        </p:style>
+        <p:txBody>
+          <a:bodyPr rtlCol="0" anchor="ctr"/>
+          <a:lstStyle/>
+          <a:p>
+            <a:pPr algn="ctr"/>
+            <a:endParaRPr lang="en-US"/>
+          </a:p>
+        </p:txBody>
+      </p:sp>
+      <p:sp>
+        <p:nvSpPr>
+          <p:cNvPr id="7" name="Oval 6">
+            <a:extLst>
+              <a:ext uri="{FF2B5EF4-FFF2-40B4-BE49-F238E27FC236}">
+                <a16:creationId xmlns:a16="http://schemas.microsoft.com/office/drawing/2014/main" id="{41BEEF26-61C6-8B44-A06C-7DB02BDA3B8D}"/>
+              </a:ext>
+            </a:extLst>
+          </p:cNvPr>
+          <p:cNvSpPr/>
+          <p:nvPr/>
+        </p:nvSpPr>
+        <p:spPr>
+          <a:xfrm>
+            <a:off x="4548469" y="3415574"/>
+            <a:ext cx="355600" cy="355600"/>
+          </a:xfrm>
+          <a:prstGeom prst="ellipse">
+            <a:avLst/>
+          </a:prstGeom>
+          <a:noFill/>
+        </p:spPr>
+        <p:style>
+          <a:lnRef idx="2">
+            <a:schemeClr val="accent1">
+              <a:shade val="50000"/>
+            </a:schemeClr>
+          </a:lnRef>
+          <a:fillRef idx="1">
+            <a:schemeClr val="accent1"/>
+          </a:fillRef>
+          <a:effectRef idx="0">
+            <a:schemeClr val="accent1"/>
+          </a:effectRef>
+          <a:fontRef idx="minor">
+            <a:schemeClr val="lt1"/>
+          </a:fontRef>
+        </p:style>
+        <p:txBody>
+          <a:bodyPr rtlCol="0" anchor="ctr"/>
+          <a:lstStyle/>
+          <a:p>
+            <a:pPr algn="ctr"/>
+            <a:endParaRPr lang="en-US"/>
+          </a:p>
+        </p:txBody>
+      </p:sp>
     </p:spTree>
     <p:extLst>
       <p:ext uri="{BB962C8B-B14F-4D97-AF65-F5344CB8AC3E}">
@@ -20470,6 +20533,115 @@
   <p:clrMapOvr>
     <a:masterClrMapping/>
   </p:clrMapOvr>
+  <p:timing>
+    <p:tnLst>
+      <p:par>
+        <p:cTn id="1" dur="indefinite" restart="never" nodeType="tmRoot">
+          <p:childTnLst>
+            <p:seq concurrent="1" nextAc="seek">
+              <p:cTn id="2" dur="indefinite" nodeType="mainSeq">
+                <p:childTnLst>
+                  <p:par>
+                    <p:cTn id="3" fill="hold">
+                      <p:stCondLst>
+                        <p:cond delay="indefinite"/>
+                        <p:cond evt="onBegin" delay="0">
+                          <p:tn val="2"/>
+                        </p:cond>
+                      </p:stCondLst>
+                      <p:childTnLst>
+                        <p:par>
+                          <p:cTn id="4" fill="hold">
+                            <p:stCondLst>
+                              <p:cond delay="0"/>
+                            </p:stCondLst>
+                            <p:childTnLst>
+                              <p:par>
+                                <p:cTn id="5" presetID="1" presetClass="entr" presetSubtype="0" fill="hold" grpId="0" nodeType="withEffect">
+                                  <p:stCondLst>
+                                    <p:cond delay="0"/>
+                                  </p:stCondLst>
+                                  <p:childTnLst>
+                                    <p:set>
+                                      <p:cBhvr>
+                                        <p:cTn id="6" dur="1" fill="hold">
+                                          <p:stCondLst>
+                                            <p:cond delay="0"/>
+                                          </p:stCondLst>
+                                        </p:cTn>
+                                        <p:tgtEl>
+                                          <p:spTgt spid="6"/>
+                                        </p:tgtEl>
+                                        <p:attrNameLst>
+                                          <p:attrName>style.visibility</p:attrName>
+                                        </p:attrNameLst>
+                                      </p:cBhvr>
+                                      <p:to>
+                                        <p:strVal val="visible"/>
+                                      </p:to>
+                                    </p:set>
+                                  </p:childTnLst>
+                                </p:cTn>
+                              </p:par>
+                              <p:par>
+                                <p:cTn id="7" presetID="1" presetClass="entr" presetSubtype="0" fill="hold" grpId="0" nodeType="withEffect">
+                                  <p:stCondLst>
+                                    <p:cond delay="0"/>
+                                  </p:stCondLst>
+                                  <p:childTnLst>
+                                    <p:set>
+                                      <p:cBhvr>
+                                        <p:cTn id="8" dur="1" fill="hold">
+                                          <p:stCondLst>
+                                            <p:cond delay="0"/>
+                                          </p:stCondLst>
+                                        </p:cTn>
+                                        <p:tgtEl>
+                                          <p:spTgt spid="7"/>
+                                        </p:tgtEl>
+                                        <p:attrNameLst>
+                                          <p:attrName>style.visibility</p:attrName>
+                                        </p:attrNameLst>
+                                      </p:cBhvr>
+                                      <p:to>
+                                        <p:strVal val="visible"/>
+                                      </p:to>
+                                    </p:set>
+                                  </p:childTnLst>
+                                </p:cTn>
+                              </p:par>
+                            </p:childTnLst>
+                          </p:cTn>
+                        </p:par>
+                      </p:childTnLst>
+                    </p:cTn>
+                  </p:par>
+                </p:childTnLst>
+              </p:cTn>
+              <p:prevCondLst>
+                <p:cond evt="onPrev" delay="0">
+                  <p:tgtEl>
+                    <p:sldTgt/>
+                  </p:tgtEl>
+                </p:cond>
+              </p:prevCondLst>
+              <p:nextCondLst>
+                <p:cond evt="onNext" delay="0">
+                  <p:tgtEl>
+                    <p:sldTgt/>
+                  </p:tgtEl>
+                </p:cond>
+              </p:nextCondLst>
+            </p:seq>
+          </p:childTnLst>
+        </p:cTn>
+      </p:par>
+    </p:tnLst>
+    <p:bldLst>
+      <p:bldP spid="6" grpId="0" animBg="1"/>
+      <p:bldP spid="7" grpId="0" animBg="1"/>
+    </p:bldLst>
+  </p:timing>
 </p:sld>
 </file>
 
@@ -20745,6 +20917,100 @@
           </a:p>
         </p:txBody>
       </p:sp>
+      <p:sp>
+        <p:nvSpPr>
+          <p:cNvPr id="6" name="Oval 5">
+            <a:extLst>
+              <a:ext uri="{FF2B5EF4-FFF2-40B4-BE49-F238E27FC236}">
+                <a16:creationId xmlns:a16="http://schemas.microsoft.com/office/drawing/2014/main" id="{DCF99AF0-0507-6D43-BADC-66792CC5C186}"/>
+              </a:ext>
+            </a:extLst>
+          </p:cNvPr>
+          <p:cNvSpPr/>
+          <p:nvPr/>
+        </p:nvSpPr>
+        <p:spPr>
+          <a:xfrm>
+            <a:off x="517938" y="3187671"/>
+            <a:ext cx="355600" cy="355600"/>
+          </a:xfrm>
+          <a:prstGeom prst="ellipse">
+            <a:avLst/>
+          </a:prstGeom>
+          <a:noFill/>
+        </p:spPr>
+        <p:style>
+          <a:lnRef idx="2">
+            <a:schemeClr val="accent1">
+              <a:shade val="50000"/>
+            </a:schemeClr>
+          </a:lnRef>
+          <a:fillRef idx="1">
+            <a:schemeClr val="accent1"/>
+          </a:fillRef>
+          <a:effectRef idx="0">
+            <a:schemeClr val="accent1"/>
+          </a:effectRef>
+          <a:fontRef idx="minor">
+            <a:schemeClr val="lt1"/>
+          </a:fontRef>
+        </p:style>
+        <p:txBody>
+          <a:bodyPr rtlCol="0" anchor="ctr"/>
+          <a:lstStyle/>
+          <a:p>
+            <a:pPr algn="ctr"/>
+            <a:endParaRPr lang="en-US"/>
+          </a:p>
+        </p:txBody>
+      </p:sp>
+      <p:sp>
+        <p:nvSpPr>
+          <p:cNvPr id="7" name="Oval 6">
+            <a:extLst>
+              <a:ext uri="{FF2B5EF4-FFF2-40B4-BE49-F238E27FC236}">
+                <a16:creationId xmlns:a16="http://schemas.microsoft.com/office/drawing/2014/main" id="{E8508234-8F0B-964A-9A42-B591E358E2B0}"/>
+              </a:ext>
+            </a:extLst>
+          </p:cNvPr>
+          <p:cNvSpPr/>
+          <p:nvPr/>
+        </p:nvSpPr>
+        <p:spPr>
+          <a:xfrm>
+            <a:off x="4551276" y="3517447"/>
+            <a:ext cx="355600" cy="355600"/>
+          </a:xfrm>
+          <a:prstGeom prst="ellipse">
+            <a:avLst/>
+          </a:prstGeom>
+          <a:noFill/>
+        </p:spPr>
+        <p:style>
+          <a:lnRef idx="2">
+            <a:schemeClr val="accent1">
+              <a:shade val="50000"/>
+            </a:schemeClr>
+          </a:lnRef>
+          <a:fillRef idx="1">
+            <a:schemeClr val="accent1"/>
+          </a:fillRef>
+          <a:effectRef idx="0">
+            <a:schemeClr val="accent1"/>
+          </a:effectRef>
+          <a:fontRef idx="minor">
+            <a:schemeClr val="lt1"/>
+          </a:fontRef>
+        </p:style>
+        <p:txBody>
+          <a:bodyPr rtlCol="0" anchor="ctr"/>
+          <a:lstStyle/>
+          <a:p>
+            <a:pPr algn="ctr"/>
+            <a:endParaRPr lang="en-US"/>
+          </a:p>
+        </p:txBody>
+      </p:sp>
     </p:spTree>
     <p:extLst>
       <p:ext uri="{BB962C8B-B14F-4D97-AF65-F5344CB8AC3E}">
@@ -20755,6 +21021,115 @@
   <p:clrMapOvr>
     <a:masterClrMapping/>
   </p:clrMapOvr>
+  <p:timing>
+    <p:tnLst>
+      <p:par>
+        <p:cTn id="1" dur="indefinite" restart="never" nodeType="tmRoot">
+          <p:childTnLst>
+            <p:seq concurrent="1" nextAc="seek">
+              <p:cTn id="2" dur="indefinite" nodeType="mainSeq">
+                <p:childTnLst>
+                  <p:par>
+                    <p:cTn id="3" fill="hold">
+                      <p:stCondLst>
+                        <p:cond delay="indefinite"/>
+                        <p:cond evt="onBegin" delay="0">
+                          <p:tn val="2"/>
+                        </p:cond>
+                      </p:stCondLst>
+                      <p:childTnLst>
+                        <p:par>
+                          <p:cTn id="4" fill="hold">
+                            <p:stCondLst>
+                              <p:cond delay="0"/>
+                            </p:stCondLst>
+                            <p:childTnLst>
+                              <p:par>
+                                <p:cTn id="5" presetID="1" presetClass="entr" presetSubtype="0" fill="hold" grpId="0" nodeType="withEffect">
+                                  <p:stCondLst>
+                                    <p:cond delay="0"/>
+                                  </p:stCondLst>
+                                  <p:childTnLst>
+                                    <p:set>
+                                      <p:cBhvr>
+                                        <p:cTn id="6" dur="1" fill="hold">
+                                          <p:stCondLst>
+                                            <p:cond delay="0"/>
+                                          </p:stCondLst>
+                                        </p:cTn>
+                                        <p:tgtEl>
+                                          <p:spTgt spid="6"/>
+                                        </p:tgtEl>
+                                        <p:attrNameLst>
+                                          <p:attrName>style.visibility</p:attrName>
+                                        </p:attrNameLst>
+                                      </p:cBhvr>
+                                      <p:to>
+                                        <p:strVal val="visible"/>
+                                      </p:to>
+                                    </p:set>
+                                  </p:childTnLst>
+                                </p:cTn>
+                              </p:par>
+                              <p:par>
+                                <p:cTn id="7" presetID="1" presetClass="entr" presetSubtype="0" fill="hold" grpId="0" nodeType="withEffect">
+                                  <p:stCondLst>
+                                    <p:cond delay="0"/>
+                                  </p:stCondLst>
+                                  <p:childTnLst>
+                                    <p:set>
+                                      <p:cBhvr>
+                                        <p:cTn id="8" dur="1" fill="hold">
+                                          <p:stCondLst>
+                                            <p:cond delay="0"/>
+                                          </p:stCondLst>
+                                        </p:cTn>
+                                        <p:tgtEl>
+                                          <p:spTgt spid="7"/>
+                                        </p:tgtEl>
+                                        <p:attrNameLst>
+                                          <p:attrName>style.visibility</p:attrName>
+                                        </p:attrNameLst>
+                                      </p:cBhvr>
+                                      <p:to>
+                                        <p:strVal val="visible"/>
+                                      </p:to>
+                                    </p:set>
+                                  </p:childTnLst>
+                                </p:cTn>
+                              </p:par>
+                            </p:childTnLst>
+                          </p:cTn>
+                        </p:par>
+                      </p:childTnLst>
+                    </p:cTn>
+                  </p:par>
+                </p:childTnLst>
+              </p:cTn>
+              <p:prevCondLst>
+                <p:cond evt="onPrev" delay="0">
+                  <p:tgtEl>
+                    <p:sldTgt/>
+                  </p:tgtEl>
+                </p:cond>
+              </p:prevCondLst>
+              <p:nextCondLst>
+                <p:cond evt="onNext" delay="0">
+                  <p:tgtEl>
+                    <p:sldTgt/>
+                  </p:tgtEl>
+                </p:cond>
+              </p:nextCondLst>
+            </p:seq>
+          </p:childTnLst>
+        </p:cTn>
+      </p:par>
+    </p:tnLst>
+    <p:bldLst>
+      <p:bldP spid="6" grpId="0" animBg="1"/>
+      <p:bldP spid="7" grpId="0" animBg="1"/>
+    </p:bldLst>
+  </p:timing>
 </p:sld>
 </file>
 

--- a/RL_Presentation.pptx
+++ b/RL_Presentation.pptx
@@ -207,7 +207,7 @@
           <a:p>
             <a:fld id="{45D588E4-D476-324F-9E68-EAFB011C8467}" type="datetimeFigureOut">
               <a:rPr lang="en-US" smtClean="0"/>
-              <a:t>4/26/18</a:t>
+              <a:t>4/27/18</a:t>
             </a:fld>
             <a:endParaRPr lang="en-US"/>
           </a:p>
@@ -1157,7 +1157,11 @@
           <a:p>
             <a:r>
               <a:rPr lang="en-US" dirty="0"/>
-              <a:t>Cute: agent keeps trying to buy more coins, but its balance is insufficient</a:t>
+              <a:t>Y-axis </a:t>
+            </a:r>
+            <a:r>
+              <a:rPr lang="en-US"/>
+              <a:t>in dollar</a:t>
             </a:r>
           </a:p>
           <a:p>
@@ -2233,7 +2237,7 @@
             </a:ln>
             <a:extLst>
               <a:ext uri="{91240B29-F687-4f45-9708-019B960494DF}">
-                <a14:hiddenLine xmlns="" xmlns:a14="http://schemas.microsoft.com/office/drawing/2010/main" w="9525">
+                <a14:hiddenLine xmlns:a14="http://schemas.microsoft.com/office/drawing/2010/main" xmlns="" w="9525">
                   <a:solidFill>
                     <a:srgbClr val="000000"/>
                   </a:solidFill>
@@ -2430,7 +2434,7 @@
           <a:p>
             <a:fld id="{FA1B09D7-CEA8-634E-ABEE-6B8737FE71FF}" type="datetimeFigureOut">
               <a:rPr lang="en-US" smtClean="0"/>
-              <a:t>4/26/18</a:t>
+              <a:t>4/27/18</a:t>
             </a:fld>
             <a:endParaRPr lang="en-US"/>
           </a:p>
@@ -3314,7 +3318,7 @@
             </a:ln>
             <a:extLst>
               <a:ext uri="{91240B29-F687-4f45-9708-019B960494DF}">
-                <a14:hiddenLine xmlns="" xmlns:a14="http://schemas.microsoft.com/office/drawing/2010/main" w="9525">
+                <a14:hiddenLine xmlns:a14="http://schemas.microsoft.com/office/drawing/2010/main" xmlns="" w="9525">
                   <a:solidFill>
                     <a:srgbClr val="000000"/>
                   </a:solidFill>
@@ -3531,7 +3535,7 @@
           <a:p>
             <a:fld id="{FA1B09D7-CEA8-634E-ABEE-6B8737FE71FF}" type="datetimeFigureOut">
               <a:rPr lang="en-US" smtClean="0"/>
-              <a:t>4/26/18</a:t>
+              <a:t>4/27/18</a:t>
             </a:fld>
             <a:endParaRPr lang="en-US"/>
           </a:p>
@@ -4400,7 +4404,7 @@
             </a:ln>
             <a:extLst>
               <a:ext uri="{91240B29-F687-4f45-9708-019B960494DF}">
-                <a14:hiddenLine xmlns="" xmlns:a14="http://schemas.microsoft.com/office/drawing/2010/main" w="9525">
+                <a14:hiddenLine xmlns:a14="http://schemas.microsoft.com/office/drawing/2010/main" xmlns="" w="9525">
                   <a:solidFill>
                     <a:srgbClr val="000000"/>
                   </a:solidFill>
@@ -4529,7 +4533,7 @@
           <a:p>
             <a:fld id="{FA1B09D7-CEA8-634E-ABEE-6B8737FE71FF}" type="datetimeFigureOut">
               <a:rPr lang="en-US" smtClean="0"/>
-              <a:t>4/26/18</a:t>
+              <a:t>4/27/18</a:t>
             </a:fld>
             <a:endParaRPr lang="en-US"/>
           </a:p>
@@ -5361,7 +5365,7 @@
             </a:ln>
             <a:extLst>
               <a:ext uri="{91240B29-F687-4f45-9708-019B960494DF}">
-                <a14:hiddenLine xmlns="" xmlns:a14="http://schemas.microsoft.com/office/drawing/2010/main" w="9525">
+                <a14:hiddenLine xmlns:a14="http://schemas.microsoft.com/office/drawing/2010/main" xmlns="" w="9525">
                   <a:solidFill>
                     <a:srgbClr val="000000"/>
                   </a:solidFill>
@@ -5644,7 +5648,7 @@
           <a:p>
             <a:fld id="{FA1B09D7-CEA8-634E-ABEE-6B8737FE71FF}" type="datetimeFigureOut">
               <a:rPr lang="en-US" smtClean="0"/>
-              <a:t>4/26/18</a:t>
+              <a:t>4/27/18</a:t>
             </a:fld>
             <a:endParaRPr lang="en-US"/>
           </a:p>
@@ -6476,7 +6480,7 @@
             </a:ln>
             <a:extLst>
               <a:ext uri="{91240B29-F687-4f45-9708-019B960494DF}">
-                <a14:hiddenLine xmlns="" xmlns:a14="http://schemas.microsoft.com/office/drawing/2010/main" w="9525">
+                <a14:hiddenLine xmlns:a14="http://schemas.microsoft.com/office/drawing/2010/main" xmlns="" w="9525">
                   <a:solidFill>
                     <a:srgbClr val="000000"/>
                   </a:solidFill>
@@ -6658,7 +6662,7 @@
           <a:p>
             <a:fld id="{FA1B09D7-CEA8-634E-ABEE-6B8737FE71FF}" type="datetimeFigureOut">
               <a:rPr lang="en-US" smtClean="0"/>
-              <a:t>4/26/18</a:t>
+              <a:t>4/27/18</a:t>
             </a:fld>
             <a:endParaRPr lang="en-US"/>
           </a:p>
@@ -7330,7 +7334,7 @@
           <a:p>
             <a:fld id="{FA1B09D7-CEA8-634E-ABEE-6B8737FE71FF}" type="datetimeFigureOut">
               <a:rPr lang="en-US" smtClean="0"/>
-              <a:t>4/26/18</a:t>
+              <a:t>4/27/18</a:t>
             </a:fld>
             <a:endParaRPr lang="en-US"/>
           </a:p>
@@ -8203,7 +8207,7 @@
           <a:p>
             <a:fld id="{FA1B09D7-CEA8-634E-ABEE-6B8737FE71FF}" type="datetimeFigureOut">
               <a:rPr lang="en-US" smtClean="0"/>
-              <a:t>4/26/18</a:t>
+              <a:t>4/27/18</a:t>
             </a:fld>
             <a:endParaRPr lang="en-US"/>
           </a:p>
@@ -8385,7 +8389,7 @@
           <a:p>
             <a:fld id="{FA1B09D7-CEA8-634E-ABEE-6B8737FE71FF}" type="datetimeFigureOut">
               <a:rPr lang="en-US" smtClean="0"/>
-              <a:t>4/26/18</a:t>
+              <a:t>4/27/18</a:t>
             </a:fld>
             <a:endParaRPr lang="en-US"/>
           </a:p>
@@ -9215,7 +9219,7 @@
           </a:ln>
           <a:extLst>
             <a:ext uri="{91240B29-F687-4f45-9708-019B960494DF}">
-              <a14:hiddenLine xmlns="" xmlns:a14="http://schemas.microsoft.com/office/drawing/2010/main" w="9525">
+              <a14:hiddenLine xmlns:a14="http://schemas.microsoft.com/office/drawing/2010/main" xmlns="" w="9525">
                 <a:solidFill>
                   <a:srgbClr val="000000"/>
                 </a:solidFill>
@@ -9329,7 +9333,7 @@
           <a:p>
             <a:fld id="{FA1B09D7-CEA8-634E-ABEE-6B8737FE71FF}" type="datetimeFigureOut">
               <a:rPr lang="en-US" smtClean="0"/>
-              <a:t>4/26/18</a:t>
+              <a:t>4/27/18</a:t>
             </a:fld>
             <a:endParaRPr lang="en-US"/>
           </a:p>
@@ -9556,7 +9560,7 @@
           <a:p>
             <a:fld id="{FA1B09D7-CEA8-634E-ABEE-6B8737FE71FF}" type="datetimeFigureOut">
               <a:rPr lang="en-US" smtClean="0"/>
-              <a:t>4/26/18</a:t>
+              <a:t>4/27/18</a:t>
             </a:fld>
             <a:endParaRPr lang="en-US"/>
           </a:p>
@@ -10385,7 +10389,7 @@
             </a:ln>
             <a:extLst>
               <a:ext uri="{91240B29-F687-4f45-9708-019B960494DF}">
-                <a14:hiddenLine xmlns="" xmlns:a14="http://schemas.microsoft.com/office/drawing/2010/main" w="9525">
+                <a14:hiddenLine xmlns:a14="http://schemas.microsoft.com/office/drawing/2010/main" xmlns="" w="9525">
                   <a:solidFill>
                     <a:srgbClr val="000000"/>
                   </a:solidFill>
@@ -10567,7 +10571,7 @@
           <a:p>
             <a:fld id="{FA1B09D7-CEA8-634E-ABEE-6B8737FE71FF}" type="datetimeFigureOut">
               <a:rPr lang="en-US" smtClean="0"/>
-              <a:t>4/26/18</a:t>
+              <a:t>4/27/18</a:t>
             </a:fld>
             <a:endParaRPr lang="en-US"/>
           </a:p>
@@ -10851,7 +10855,7 @@
           <a:p>
             <a:fld id="{FA1B09D7-CEA8-634E-ABEE-6B8737FE71FF}" type="datetimeFigureOut">
               <a:rPr lang="en-US" smtClean="0"/>
-              <a:t>4/26/18</a:t>
+              <a:t>4/27/18</a:t>
             </a:fld>
             <a:endParaRPr lang="en-US"/>
           </a:p>
@@ -11251,7 +11255,7 @@
           <a:p>
             <a:fld id="{FA1B09D7-CEA8-634E-ABEE-6B8737FE71FF}" type="datetimeFigureOut">
               <a:rPr lang="en-US" smtClean="0"/>
-              <a:t>4/26/18</a:t>
+              <a:t>4/27/18</a:t>
             </a:fld>
             <a:endParaRPr lang="en-US"/>
           </a:p>
@@ -11381,7 +11385,7 @@
           <a:p>
             <a:fld id="{FA1B09D7-CEA8-634E-ABEE-6B8737FE71FF}" type="datetimeFigureOut">
               <a:rPr lang="en-US" smtClean="0"/>
-              <a:t>4/26/18</a:t>
+              <a:t>4/27/18</a:t>
             </a:fld>
             <a:endParaRPr lang="en-US"/>
           </a:p>
@@ -11524,7 +11528,7 @@
           <a:p>
             <a:fld id="{FA1B09D7-CEA8-634E-ABEE-6B8737FE71FF}" type="datetimeFigureOut">
               <a:rPr lang="en-US" smtClean="0"/>
-              <a:t>4/26/18</a:t>
+              <a:t>4/27/18</a:t>
             </a:fld>
             <a:endParaRPr lang="en-US"/>
           </a:p>
@@ -12353,7 +12357,7 @@
             </a:ln>
             <a:extLst>
               <a:ext uri="{91240B29-F687-4f45-9708-019B960494DF}">
-                <a14:hiddenLine xmlns="" xmlns:a14="http://schemas.microsoft.com/office/drawing/2010/main" w="9525">
+                <a14:hiddenLine xmlns:a14="http://schemas.microsoft.com/office/drawing/2010/main" xmlns="" w="9525">
                   <a:solidFill>
                     <a:srgbClr val="000000"/>
                   </a:solidFill>
@@ -12546,7 +12550,7 @@
           <a:p>
             <a:fld id="{FA1B09D7-CEA8-634E-ABEE-6B8737FE71FF}" type="datetimeFigureOut">
               <a:rPr lang="en-US" smtClean="0"/>
-              <a:t>4/26/18</a:t>
+              <a:t>4/27/18</a:t>
             </a:fld>
             <a:endParaRPr lang="en-US"/>
           </a:p>
@@ -13411,7 +13415,7 @@
             </a:ln>
             <a:extLst>
               <a:ext uri="{91240B29-F687-4f45-9708-019B960494DF}">
-                <a14:hiddenLine xmlns="" xmlns:a14="http://schemas.microsoft.com/office/drawing/2010/main" w="9525">
+                <a14:hiddenLine xmlns:a14="http://schemas.microsoft.com/office/drawing/2010/main" xmlns="" w="9525">
                   <a:solidFill>
                     <a:srgbClr val="000000"/>
                   </a:solidFill>
@@ -13628,7 +13632,7 @@
           <a:p>
             <a:fld id="{FA1B09D7-CEA8-634E-ABEE-6B8737FE71FF}" type="datetimeFigureOut">
               <a:rPr lang="en-US" smtClean="0"/>
-              <a:t>4/26/18</a:t>
+              <a:t>4/27/18</a:t>
             </a:fld>
             <a:endParaRPr lang="en-US"/>
           </a:p>
@@ -14461,7 +14465,7 @@
             </a:ln>
             <a:extLst>
               <a:ext uri="{91240B29-F687-4f45-9708-019B960494DF}">
-                <a14:hiddenLine xmlns="" xmlns:a14="http://schemas.microsoft.com/office/drawing/2010/main" w="9525">
+                <a14:hiddenLine xmlns:a14="http://schemas.microsoft.com/office/drawing/2010/main" xmlns="" w="9525">
                   <a:solidFill>
                     <a:srgbClr val="000000"/>
                   </a:solidFill>
@@ -14602,7 +14606,7 @@
           <a:p>
             <a:fld id="{FA1B09D7-CEA8-634E-ABEE-6B8737FE71FF}" type="datetimeFigureOut">
               <a:rPr lang="en-US" smtClean="0"/>
-              <a:t>4/26/18</a:t>
+              <a:t>4/27/18</a:t>
             </a:fld>
             <a:endParaRPr lang="en-US"/>
           </a:p>
